--- a/pptx/LFA  T9 ( Pumping Lemma ) - 2023 - S2.pptx
+++ b/pptx/LFA  T9 ( Pumping Lemma ) - 2023 - S2.pptx
@@ -1521,7 +1521,7 @@
       </p:grpSpPr>
       <p:sp>
         <p:nvSpPr>
-          <p:cNvPr id="90" name="Google Shape;90;g1e83c199946_0_89:notes"/>
+          <p:cNvPr id="90" name="Google Shape;90;g1e83c199946_0_23:notes"/>
           <p:cNvSpPr/>
           <p:nvPr>
             <p:ph idx="2" type="sldImg"/>
@@ -1556,7 +1556,7 @@
       </p:sp>
       <p:sp>
         <p:nvSpPr>
-          <p:cNvPr id="91" name="Google Shape;91;g1e83c199946_0_89:notes"/>
+          <p:cNvPr id="91" name="Google Shape;91;g1e83c199946_0_23:notes"/>
           <p:cNvSpPr txBox="1"/>
           <p:nvPr>
             <p:ph idx="1" type="body"/>
@@ -1620,7 +1620,7 @@
       </p:grpSpPr>
       <p:sp>
         <p:nvSpPr>
-          <p:cNvPr id="99" name="Google Shape;99;g1e83c199946_0_23:notes"/>
+          <p:cNvPr id="99" name="Google Shape;99;g1e85d90e8fb_0_0:notes"/>
           <p:cNvSpPr/>
           <p:nvPr>
             <p:ph idx="2" type="sldImg"/>
@@ -1655,7 +1655,7 @@
       </p:sp>
       <p:sp>
         <p:nvSpPr>
-          <p:cNvPr id="100" name="Google Shape;100;g1e83c199946_0_23:notes"/>
+          <p:cNvPr id="100" name="Google Shape;100;g1e85d90e8fb_0_0:notes"/>
           <p:cNvSpPr txBox="1"/>
           <p:nvPr>
             <p:ph idx="1" type="body"/>
@@ -1719,7 +1719,7 @@
       </p:grpSpPr>
       <p:sp>
         <p:nvSpPr>
-          <p:cNvPr id="108" name="Google Shape;108;g1e85d90e8fb_0_0:notes"/>
+          <p:cNvPr id="108" name="Google Shape;108;g1e83c199946_0_89:notes"/>
           <p:cNvSpPr/>
           <p:nvPr>
             <p:ph idx="2" type="sldImg"/>
@@ -1754,7 +1754,7 @@
       </p:sp>
       <p:sp>
         <p:nvSpPr>
-          <p:cNvPr id="109" name="Google Shape;109;g1e85d90e8fb_0_0:notes"/>
+          <p:cNvPr id="109" name="Google Shape;109;g1e83c199946_0_89:notes"/>
           <p:cNvSpPr txBox="1"/>
           <p:nvPr>
             <p:ph idx="1" type="body"/>
@@ -10703,7 +10703,7 @@
                 <a:cs typeface="Inter Medium"/>
                 <a:sym typeface="Inter Medium"/>
               </a:rPr>
-              <a:t>Otro ejemplo</a:t>
+              <a:t>Primer ejemplo</a:t>
             </a:r>
             <a:endParaRPr>
               <a:latin typeface="Inter Medium"/>
@@ -10725,7 +10725,7 @@
         <p:spPr>
           <a:xfrm>
             <a:off x="311700" y="1152475"/>
-            <a:ext cx="8520600" cy="3416400"/>
+            <a:ext cx="8520600" cy="3701100"/>
           </a:xfrm>
           <a:prstGeom prst="rect">
             <a:avLst/>
@@ -10792,7 +10792,7 @@
                 <a:cs typeface="Inter Medium"/>
                 <a:sym typeface="Inter Medium"/>
               </a:rPr>
-              <a:t>l</a:t>
+              <a:t>n</a:t>
             </a:r>
             <a:r>
               <a:rPr lang="es" sz="1200">
@@ -10804,31 +10804,7 @@
                 <a:cs typeface="Inter Medium"/>
                 <a:sym typeface="Inter Medium"/>
               </a:rPr>
-              <a:t>c</a:t>
-            </a:r>
-            <a:r>
-              <a:rPr baseline="30000" lang="es" sz="1200">
-                <a:solidFill>
-                  <a:schemeClr val="dk1"/>
-                </a:solidFill>
-                <a:latin typeface="Inter Medium"/>
-                <a:ea typeface="Inter Medium"/>
-                <a:cs typeface="Inter Medium"/>
-                <a:sym typeface="Inter Medium"/>
-              </a:rPr>
-              <a:t>n+1</a:t>
-            </a:r>
-            <a:r>
-              <a:rPr lang="es" sz="1200">
-                <a:solidFill>
-                  <a:schemeClr val="dk1"/>
-                </a:solidFill>
-                <a:latin typeface="Inter Medium"/>
-                <a:ea typeface="Inter Medium"/>
-                <a:cs typeface="Inter Medium"/>
-                <a:sym typeface="Inter Medium"/>
-              </a:rPr>
-              <a:t> : n, l ≥ 0 }</a:t>
+              <a:t>: n ≥ 0 }</a:t>
             </a:r>
             <a:endParaRPr sz="1200">
               <a:solidFill>
@@ -10896,7 +10872,19 @@
                 <a:cs typeface="Inter"/>
                 <a:sym typeface="Inter"/>
               </a:rPr>
-              <a:t>por contradicción</a:t>
+              <a:t>por </a:t>
+            </a:r>
+            <a:r>
+              <a:rPr b="1" lang="es" sz="1200">
+                <a:solidFill>
+                  <a:schemeClr val="dk1"/>
+                </a:solidFill>
+                <a:latin typeface="Inter"/>
+                <a:ea typeface="Inter"/>
+                <a:cs typeface="Inter"/>
+                <a:sym typeface="Inter"/>
+              </a:rPr>
+              <a:t>contradicción</a:t>
             </a:r>
             <a:r>
               <a:rPr lang="es" sz="1200">
@@ -10953,7 +10941,7 @@
             </a:endParaRPr>
           </a:p>
           <a:p>
-            <a:pPr indent="0" lvl="0" marL="0" rtl="0" algn="l">
+            <a:pPr indent="0" lvl="0" marL="0" rtl="0" algn="ctr">
               <a:spcBef>
                 <a:spcPts val="1200"/>
               </a:spcBef>
@@ -10981,12 +10969,602 @@
                 <a:spcPts val="1200"/>
               </a:spcBef>
               <a:spcAft>
+                <a:spcPts val="0"/>
+              </a:spcAft>
+              <a:buNone/>
+            </a:pPr>
+            <a:r>
+              <a:rPr lang="es" sz="1200">
+                <a:solidFill>
+                  <a:schemeClr val="dk1"/>
+                </a:solidFill>
+                <a:latin typeface="Inter Medium"/>
+                <a:ea typeface="Inter Medium"/>
+                <a:cs typeface="Inter Medium"/>
+                <a:sym typeface="Inter Medium"/>
+              </a:rPr>
+              <a:t>Sea p la longitud crítica de L, tomamos un string w = x y z tal que w </a:t>
+            </a:r>
+            <a:r>
+              <a:rPr i="1" lang="es" sz="1200">
+                <a:solidFill>
+                  <a:schemeClr val="dk1"/>
+                </a:solidFill>
+                <a:latin typeface="Inter Medium"/>
+                <a:ea typeface="Inter Medium"/>
+                <a:cs typeface="Inter Medium"/>
+                <a:sym typeface="Inter Medium"/>
+              </a:rPr>
+              <a:t>∈ L</a:t>
+            </a:r>
+            <a:r>
+              <a:rPr lang="es" sz="1200">
+                <a:solidFill>
+                  <a:schemeClr val="dk1"/>
+                </a:solidFill>
+                <a:latin typeface="Inter Medium"/>
+                <a:ea typeface="Inter Medium"/>
+                <a:cs typeface="Inter Medium"/>
+                <a:sym typeface="Inter Medium"/>
+              </a:rPr>
+              <a:t> y |w| ≥ p con |xy| &lt;= p y |y| ≥ 1 tal que x y</a:t>
+            </a:r>
+            <a:r>
+              <a:rPr baseline="30000" lang="es" sz="1200">
+                <a:solidFill>
+                  <a:schemeClr val="dk1"/>
+                </a:solidFill>
+                <a:latin typeface="Inter Medium"/>
+                <a:ea typeface="Inter Medium"/>
+                <a:cs typeface="Inter Medium"/>
+                <a:sym typeface="Inter Medium"/>
+              </a:rPr>
+              <a:t>i</a:t>
+            </a:r>
+            <a:r>
+              <a:rPr lang="es" sz="1200">
+                <a:solidFill>
+                  <a:schemeClr val="dk1"/>
+                </a:solidFill>
+                <a:latin typeface="Inter Medium"/>
+                <a:ea typeface="Inter Medium"/>
+                <a:cs typeface="Inter Medium"/>
+                <a:sym typeface="Inter Medium"/>
+              </a:rPr>
+              <a:t> z </a:t>
+            </a:r>
+            <a:r>
+              <a:rPr i="1" lang="es" sz="1200">
+                <a:solidFill>
+                  <a:schemeClr val="dk1"/>
+                </a:solidFill>
+                <a:latin typeface="Inter Medium"/>
+                <a:ea typeface="Inter Medium"/>
+                <a:cs typeface="Inter Medium"/>
+                <a:sym typeface="Inter Medium"/>
+              </a:rPr>
+              <a:t>∈ L</a:t>
+            </a:r>
+            <a:r>
+              <a:rPr lang="es" sz="1200">
+                <a:solidFill>
+                  <a:schemeClr val="dk1"/>
+                </a:solidFill>
+                <a:latin typeface="Inter Medium"/>
+                <a:ea typeface="Inter Medium"/>
+                <a:cs typeface="Inter Medium"/>
+                <a:sym typeface="Inter Medium"/>
+              </a:rPr>
+              <a:t>. </a:t>
+            </a:r>
+            <a:endParaRPr sz="1200">
+              <a:solidFill>
+                <a:schemeClr val="dk1"/>
+              </a:solidFill>
+              <a:latin typeface="Inter Medium"/>
+              <a:ea typeface="Inter Medium"/>
+              <a:cs typeface="Inter Medium"/>
+              <a:sym typeface="Inter Medium"/>
+            </a:endParaRPr>
+          </a:p>
+          <a:p>
+            <a:pPr indent="-304800" lvl="0" marL="457200" rtl="0" algn="l">
+              <a:spcBef>
                 <a:spcPts val="1200"/>
-              </a:spcAft>
-              <a:buNone/>
+              </a:spcBef>
+              <a:spcAft>
+                <a:spcPts val="0"/>
+              </a:spcAft>
+              <a:buClr>
+                <a:schemeClr val="dk1"/>
+              </a:buClr>
+              <a:buSzPts val="1200"/>
+              <a:buFont typeface="Inter Medium"/>
+              <a:buAutoNum type="arabicParenR"/>
             </a:pPr>
             <a:r>
-              <a:t/>
+              <a:rPr lang="es" sz="1200">
+                <a:solidFill>
+                  <a:schemeClr val="dk1"/>
+                </a:solidFill>
+                <a:latin typeface="Inter Medium"/>
+                <a:ea typeface="Inter Medium"/>
+                <a:cs typeface="Inter Medium"/>
+                <a:sym typeface="Inter Medium"/>
+              </a:rPr>
+              <a:t>Elegimos inteligentemente w = a</a:t>
+            </a:r>
+            <a:r>
+              <a:rPr baseline="30000" lang="es" sz="1200">
+                <a:solidFill>
+                  <a:schemeClr val="dk1"/>
+                </a:solidFill>
+                <a:latin typeface="Inter Medium"/>
+                <a:ea typeface="Inter Medium"/>
+                <a:cs typeface="Inter Medium"/>
+                <a:sym typeface="Inter Medium"/>
+              </a:rPr>
+              <a:t>p</a:t>
+            </a:r>
+            <a:r>
+              <a:rPr lang="es" sz="1200">
+                <a:solidFill>
+                  <a:schemeClr val="dk1"/>
+                </a:solidFill>
+                <a:latin typeface="Inter Medium"/>
+                <a:ea typeface="Inter Medium"/>
+                <a:cs typeface="Inter Medium"/>
+                <a:sym typeface="Inter Medium"/>
+              </a:rPr>
+              <a:t>b</a:t>
+            </a:r>
+            <a:r>
+              <a:rPr baseline="30000" lang="es" sz="1200">
+                <a:solidFill>
+                  <a:schemeClr val="dk1"/>
+                </a:solidFill>
+                <a:latin typeface="Inter Medium"/>
+                <a:ea typeface="Inter Medium"/>
+                <a:cs typeface="Inter Medium"/>
+                <a:sym typeface="Inter Medium"/>
+              </a:rPr>
+              <a:t>p</a:t>
+            </a:r>
+            <a:endParaRPr sz="1200">
+              <a:solidFill>
+                <a:schemeClr val="dk1"/>
+              </a:solidFill>
+              <a:latin typeface="Inter Medium"/>
+              <a:ea typeface="Inter Medium"/>
+              <a:cs typeface="Inter Medium"/>
+              <a:sym typeface="Inter Medium"/>
+            </a:endParaRPr>
+          </a:p>
+          <a:p>
+            <a:pPr indent="-304800" lvl="0" marL="457200" rtl="0" algn="l">
+              <a:spcBef>
+                <a:spcPts val="0"/>
+              </a:spcBef>
+              <a:spcAft>
+                <a:spcPts val="0"/>
+              </a:spcAft>
+              <a:buClr>
+                <a:schemeClr val="dk1"/>
+              </a:buClr>
+              <a:buSzPts val="1200"/>
+              <a:buFont typeface="Inter Medium"/>
+              <a:buAutoNum type="arabicParenR"/>
+            </a:pPr>
+            <a:r>
+              <a:rPr lang="es" sz="1200">
+                <a:solidFill>
+                  <a:schemeClr val="dk1"/>
+                </a:solidFill>
+                <a:latin typeface="Inter Medium"/>
+                <a:ea typeface="Inter Medium"/>
+                <a:cs typeface="Inter Medium"/>
+                <a:sym typeface="Inter Medium"/>
+              </a:rPr>
+              <a:t>Dividimos la cadena w como </a:t>
+            </a:r>
+            <a:r>
+              <a:rPr b="1" lang="es" sz="1200">
+                <a:solidFill>
+                  <a:schemeClr val="dk1"/>
+                </a:solidFill>
+                <a:latin typeface="Inter"/>
+                <a:ea typeface="Inter"/>
+                <a:cs typeface="Inter"/>
+                <a:sym typeface="Inter"/>
+              </a:rPr>
+              <a:t>w = a</a:t>
+            </a:r>
+            <a:r>
+              <a:rPr b="1" baseline="30000" lang="es" sz="1200">
+                <a:solidFill>
+                  <a:schemeClr val="dk1"/>
+                </a:solidFill>
+                <a:latin typeface="Inter"/>
+                <a:ea typeface="Inter"/>
+                <a:cs typeface="Inter"/>
+                <a:sym typeface="Inter"/>
+              </a:rPr>
+              <a:t>q</a:t>
+            </a:r>
+            <a:r>
+              <a:rPr b="1" lang="es" sz="1200">
+                <a:solidFill>
+                  <a:schemeClr val="dk1"/>
+                </a:solidFill>
+                <a:latin typeface="Inter"/>
+                <a:ea typeface="Inter"/>
+                <a:cs typeface="Inter"/>
+                <a:sym typeface="Inter"/>
+              </a:rPr>
+              <a:t> a</a:t>
+            </a:r>
+            <a:r>
+              <a:rPr b="1" baseline="30000" lang="es" sz="1200">
+                <a:solidFill>
+                  <a:schemeClr val="dk1"/>
+                </a:solidFill>
+                <a:latin typeface="Inter"/>
+                <a:ea typeface="Inter"/>
+                <a:cs typeface="Inter"/>
+                <a:sym typeface="Inter"/>
+              </a:rPr>
+              <a:t>r</a:t>
+            </a:r>
+            <a:r>
+              <a:rPr b="1" lang="es" sz="1200">
+                <a:solidFill>
+                  <a:schemeClr val="dk1"/>
+                </a:solidFill>
+                <a:latin typeface="Inter"/>
+                <a:ea typeface="Inter"/>
+                <a:cs typeface="Inter"/>
+                <a:sym typeface="Inter"/>
+              </a:rPr>
+              <a:t> a</a:t>
+            </a:r>
+            <a:r>
+              <a:rPr b="1" baseline="30000" lang="es" sz="1200">
+                <a:solidFill>
+                  <a:schemeClr val="dk1"/>
+                </a:solidFill>
+                <a:latin typeface="Inter"/>
+                <a:ea typeface="Inter"/>
+                <a:cs typeface="Inter"/>
+                <a:sym typeface="Inter"/>
+              </a:rPr>
+              <a:t>(p - r - q)</a:t>
+            </a:r>
+            <a:r>
+              <a:rPr b="1" lang="es" sz="1200">
+                <a:solidFill>
+                  <a:schemeClr val="dk1"/>
+                </a:solidFill>
+                <a:latin typeface="Inter"/>
+                <a:ea typeface="Inter"/>
+                <a:cs typeface="Inter"/>
+                <a:sym typeface="Inter"/>
+              </a:rPr>
+              <a:t>b</a:t>
+            </a:r>
+            <a:r>
+              <a:rPr b="1" baseline="30000" lang="es" sz="1200">
+                <a:solidFill>
+                  <a:schemeClr val="dk1"/>
+                </a:solidFill>
+                <a:latin typeface="Inter"/>
+                <a:ea typeface="Inter"/>
+                <a:cs typeface="Inter"/>
+                <a:sym typeface="Inter"/>
+              </a:rPr>
+              <a:t>p</a:t>
+            </a:r>
+            <a:r>
+              <a:rPr lang="es" sz="1200">
+                <a:solidFill>
+                  <a:schemeClr val="dk1"/>
+                </a:solidFill>
+                <a:latin typeface="Inter Medium"/>
+                <a:ea typeface="Inter Medium"/>
+                <a:cs typeface="Inter Medium"/>
+                <a:sym typeface="Inter Medium"/>
+              </a:rPr>
+              <a:t>, donde </a:t>
+            </a:r>
+            <a:r>
+              <a:rPr b="1" lang="es" sz="1200">
+                <a:solidFill>
+                  <a:schemeClr val="dk1"/>
+                </a:solidFill>
+                <a:latin typeface="Inter"/>
+                <a:ea typeface="Inter"/>
+                <a:cs typeface="Inter"/>
+                <a:sym typeface="Inter"/>
+              </a:rPr>
+              <a:t>a</a:t>
+            </a:r>
+            <a:r>
+              <a:rPr b="1" baseline="30000" lang="es" sz="1200">
+                <a:solidFill>
+                  <a:schemeClr val="dk1"/>
+                </a:solidFill>
+                <a:latin typeface="Inter"/>
+                <a:ea typeface="Inter"/>
+                <a:cs typeface="Inter"/>
+                <a:sym typeface="Inter"/>
+              </a:rPr>
+              <a:t>q</a:t>
+            </a:r>
+            <a:r>
+              <a:rPr b="1" lang="es" sz="1200">
+                <a:solidFill>
+                  <a:schemeClr val="dk1"/>
+                </a:solidFill>
+                <a:latin typeface="Inter"/>
+                <a:ea typeface="Inter"/>
+                <a:cs typeface="Inter"/>
+                <a:sym typeface="Inter"/>
+              </a:rPr>
+              <a:t> = x</a:t>
+            </a:r>
+            <a:r>
+              <a:rPr lang="es" sz="1200">
+                <a:solidFill>
+                  <a:schemeClr val="dk1"/>
+                </a:solidFill>
+                <a:latin typeface="Inter Medium"/>
+                <a:ea typeface="Inter Medium"/>
+                <a:cs typeface="Inter Medium"/>
+                <a:sym typeface="Inter Medium"/>
+              </a:rPr>
+              <a:t>, </a:t>
+            </a:r>
+            <a:r>
+              <a:rPr b="1" lang="es" sz="1200">
+                <a:solidFill>
+                  <a:schemeClr val="dk1"/>
+                </a:solidFill>
+                <a:latin typeface="Inter"/>
+                <a:ea typeface="Inter"/>
+                <a:cs typeface="Inter"/>
+                <a:sym typeface="Inter"/>
+              </a:rPr>
+              <a:t>a</a:t>
+            </a:r>
+            <a:r>
+              <a:rPr b="1" baseline="30000" lang="es" sz="1200">
+                <a:solidFill>
+                  <a:schemeClr val="dk1"/>
+                </a:solidFill>
+                <a:latin typeface="Inter"/>
+                <a:ea typeface="Inter"/>
+                <a:cs typeface="Inter"/>
+                <a:sym typeface="Inter"/>
+              </a:rPr>
+              <a:t>r</a:t>
+            </a:r>
+            <a:r>
+              <a:rPr b="1" lang="es" sz="1200">
+                <a:solidFill>
+                  <a:schemeClr val="dk1"/>
+                </a:solidFill>
+                <a:latin typeface="Inter"/>
+                <a:ea typeface="Inter"/>
+                <a:cs typeface="Inter"/>
+                <a:sym typeface="Inter"/>
+              </a:rPr>
+              <a:t> = y</a:t>
+            </a:r>
+            <a:r>
+              <a:rPr lang="es" sz="1200">
+                <a:solidFill>
+                  <a:schemeClr val="dk1"/>
+                </a:solidFill>
+                <a:latin typeface="Inter Medium"/>
+                <a:ea typeface="Inter Medium"/>
+                <a:cs typeface="Inter Medium"/>
+                <a:sym typeface="Inter Medium"/>
+              </a:rPr>
+              <a:t> e </a:t>
+            </a:r>
+            <a:r>
+              <a:rPr b="1" lang="es" sz="1200">
+                <a:solidFill>
+                  <a:schemeClr val="dk1"/>
+                </a:solidFill>
+                <a:latin typeface="Inter"/>
+                <a:ea typeface="Inter"/>
+                <a:cs typeface="Inter"/>
+                <a:sym typeface="Inter"/>
+              </a:rPr>
+              <a:t>a</a:t>
+            </a:r>
+            <a:r>
+              <a:rPr b="1" baseline="30000" lang="es" sz="1200">
+                <a:solidFill>
+                  <a:schemeClr val="dk1"/>
+                </a:solidFill>
+                <a:latin typeface="Inter"/>
+                <a:ea typeface="Inter"/>
+                <a:cs typeface="Inter"/>
+                <a:sym typeface="Inter"/>
+              </a:rPr>
+              <a:t>(p - r - q)</a:t>
+            </a:r>
+            <a:r>
+              <a:rPr b="1" lang="es" sz="1200">
+                <a:solidFill>
+                  <a:schemeClr val="dk1"/>
+                </a:solidFill>
+                <a:latin typeface="Inter"/>
+                <a:ea typeface="Inter"/>
+                <a:cs typeface="Inter"/>
+                <a:sym typeface="Inter"/>
+              </a:rPr>
+              <a:t>b</a:t>
+            </a:r>
+            <a:r>
+              <a:rPr b="1" baseline="30000" lang="es" sz="1200">
+                <a:solidFill>
+                  <a:schemeClr val="dk1"/>
+                </a:solidFill>
+                <a:latin typeface="Inter"/>
+                <a:ea typeface="Inter"/>
+                <a:cs typeface="Inter"/>
+                <a:sym typeface="Inter"/>
+              </a:rPr>
+              <a:t>p</a:t>
+            </a:r>
+            <a:r>
+              <a:rPr b="1" lang="es" sz="1200">
+                <a:solidFill>
+                  <a:schemeClr val="dk1"/>
+                </a:solidFill>
+                <a:latin typeface="Inter"/>
+                <a:ea typeface="Inter"/>
+                <a:cs typeface="Inter"/>
+                <a:sym typeface="Inter"/>
+              </a:rPr>
+              <a:t> = z</a:t>
+            </a:r>
+            <a:endParaRPr b="1" sz="1200">
+              <a:solidFill>
+                <a:schemeClr val="dk1"/>
+              </a:solidFill>
+              <a:latin typeface="Inter"/>
+              <a:ea typeface="Inter"/>
+              <a:cs typeface="Inter"/>
+              <a:sym typeface="Inter"/>
+            </a:endParaRPr>
+          </a:p>
+          <a:p>
+            <a:pPr indent="-304800" lvl="1" marL="914400" rtl="0" algn="l">
+              <a:spcBef>
+                <a:spcPts val="0"/>
+              </a:spcBef>
+              <a:spcAft>
+                <a:spcPts val="0"/>
+              </a:spcAft>
+              <a:buClr>
+                <a:schemeClr val="dk1"/>
+              </a:buClr>
+              <a:buSzPts val="1200"/>
+              <a:buFont typeface="Inter Medium"/>
+              <a:buAutoNum type="alphaLcParenR"/>
+            </a:pPr>
+            <a:r>
+              <a:rPr lang="es" sz="1200">
+                <a:solidFill>
+                  <a:schemeClr val="dk1"/>
+                </a:solidFill>
+                <a:latin typeface="Inter Medium"/>
+                <a:ea typeface="Inter Medium"/>
+                <a:cs typeface="Inter Medium"/>
+                <a:sym typeface="Inter Medium"/>
+              </a:rPr>
+              <a:t>Notar que |xy| &gt;= q + r &lt;= p y que |y| = r &gt;= 1</a:t>
+            </a:r>
+            <a:endParaRPr sz="1200">
+              <a:solidFill>
+                <a:schemeClr val="dk1"/>
+              </a:solidFill>
+              <a:latin typeface="Inter Medium"/>
+              <a:ea typeface="Inter Medium"/>
+              <a:cs typeface="Inter Medium"/>
+              <a:sym typeface="Inter Medium"/>
+            </a:endParaRPr>
+          </a:p>
+          <a:p>
+            <a:pPr indent="-304800" lvl="1" marL="914400" rtl="0" algn="l">
+              <a:spcBef>
+                <a:spcPts val="0"/>
+              </a:spcBef>
+              <a:spcAft>
+                <a:spcPts val="0"/>
+              </a:spcAft>
+              <a:buClr>
+                <a:schemeClr val="dk1"/>
+              </a:buClr>
+              <a:buSzPts val="1200"/>
+              <a:buFont typeface="Inter Medium"/>
+              <a:buAutoNum type="alphaLcParenR"/>
+            </a:pPr>
+            <a:r>
+              <a:rPr lang="es" sz="1200">
+                <a:solidFill>
+                  <a:schemeClr val="dk1"/>
+                </a:solidFill>
+                <a:latin typeface="Inter Medium"/>
+                <a:ea typeface="Inter Medium"/>
+                <a:cs typeface="Inter Medium"/>
+                <a:sym typeface="Inter Medium"/>
+              </a:rPr>
+              <a:t>q &gt;= 0, r &gt; 0, q + r &lt;= p</a:t>
+            </a:r>
+            <a:endParaRPr sz="1200">
+              <a:solidFill>
+                <a:schemeClr val="dk1"/>
+              </a:solidFill>
+              <a:latin typeface="Inter Medium"/>
+              <a:ea typeface="Inter Medium"/>
+              <a:cs typeface="Inter Medium"/>
+              <a:sym typeface="Inter Medium"/>
+            </a:endParaRPr>
+          </a:p>
+          <a:p>
+            <a:pPr indent="-304800" lvl="0" marL="457200" rtl="0" algn="l">
+              <a:spcBef>
+                <a:spcPts val="0"/>
+              </a:spcBef>
+              <a:spcAft>
+                <a:spcPts val="0"/>
+              </a:spcAft>
+              <a:buClr>
+                <a:schemeClr val="dk1"/>
+              </a:buClr>
+              <a:buSzPts val="1200"/>
+              <a:buFont typeface="Inter Medium"/>
+              <a:buAutoNum type="arabicParenR"/>
+            </a:pPr>
+            <a:r>
+              <a:rPr lang="es" sz="1200">
+                <a:solidFill>
+                  <a:schemeClr val="dk1"/>
+                </a:solidFill>
+                <a:latin typeface="Inter Medium"/>
+                <a:ea typeface="Inter Medium"/>
+                <a:cs typeface="Inter Medium"/>
+                <a:sym typeface="Inter Medium"/>
+              </a:rPr>
+              <a:t>“Bombeamos” y ( a</a:t>
+            </a:r>
+            <a:r>
+              <a:rPr baseline="30000" lang="es" sz="1200">
+                <a:solidFill>
+                  <a:schemeClr val="dk1"/>
+                </a:solidFill>
+                <a:latin typeface="Inter Medium"/>
+                <a:ea typeface="Inter Medium"/>
+                <a:cs typeface="Inter Medium"/>
+                <a:sym typeface="Inter Medium"/>
+              </a:rPr>
+              <a:t>r</a:t>
+            </a:r>
+            <a:r>
+              <a:rPr lang="es" sz="1200">
+                <a:solidFill>
+                  <a:schemeClr val="dk1"/>
+                </a:solidFill>
+                <a:latin typeface="Inter Medium"/>
+                <a:ea typeface="Inter Medium"/>
+                <a:cs typeface="Inter Medium"/>
+                <a:sym typeface="Inter Medium"/>
+              </a:rPr>
+              <a:t> ), es decir, repetimos y una cantidad i de veces para supuestamente obtener una cadena de L</a:t>
             </a:r>
             <a:endParaRPr sz="1200">
               <a:solidFill>
@@ -11215,7 +11793,7 @@
                 <a:cs typeface="Inter Medium"/>
                 <a:sym typeface="Inter Medium"/>
               </a:rPr>
-              <a:t>Primer ejemplo</a:t>
+              <a:t>Primer ejemplo - “Bombeo”</a:t>
             </a:r>
             <a:endParaRPr>
               <a:latin typeface="Inter Medium"/>
@@ -11237,7 +11815,7 @@
         <p:spPr>
           <a:xfrm>
             <a:off x="311700" y="1152475"/>
-            <a:ext cx="8520600" cy="3701100"/>
+            <a:ext cx="8520600" cy="3416400"/>
           </a:xfrm>
           <a:prstGeom prst="rect">
             <a:avLst/>
@@ -11268,7 +11846,7 @@
                 <a:cs typeface="Inter Medium"/>
                 <a:sym typeface="Inter Medium"/>
               </a:rPr>
-              <a:t>Tomemos como ejemplo L = { a</a:t>
+              <a:t>Si repetimos la cadena y una cantidad i de veces, obtenemos w’ = x y</a:t>
             </a:r>
             <a:r>
               <a:rPr baseline="30000" lang="es" sz="1200">
@@ -11280,7 +11858,7 @@
                 <a:cs typeface="Inter Medium"/>
                 <a:sym typeface="Inter Medium"/>
               </a:rPr>
-              <a:t>n</a:t>
+              <a:t>i </a:t>
             </a:r>
             <a:r>
               <a:rPr lang="es" sz="1200">
@@ -11292,19 +11870,91 @@
                 <a:cs typeface="Inter Medium"/>
                 <a:sym typeface="Inter Medium"/>
               </a:rPr>
+              <a:t>z = </a:t>
+            </a:r>
+            <a:r>
+              <a:rPr b="1" lang="es" sz="1200">
+                <a:solidFill>
+                  <a:schemeClr val="dk1"/>
+                </a:solidFill>
+                <a:latin typeface="Inter"/>
+                <a:ea typeface="Inter"/>
+                <a:cs typeface="Inter"/>
+                <a:sym typeface="Inter"/>
+              </a:rPr>
+              <a:t>a</a:t>
+            </a:r>
+            <a:r>
+              <a:rPr b="1" baseline="30000" lang="es" sz="1200">
+                <a:solidFill>
+                  <a:schemeClr val="dk1"/>
+                </a:solidFill>
+                <a:latin typeface="Inter"/>
+                <a:ea typeface="Inter"/>
+                <a:cs typeface="Inter"/>
+                <a:sym typeface="Inter"/>
+              </a:rPr>
+              <a:t>q+ir</a:t>
+            </a:r>
+            <a:r>
+              <a:rPr b="1" lang="es" sz="1200">
+                <a:solidFill>
+                  <a:schemeClr val="dk1"/>
+                </a:solidFill>
+                <a:latin typeface="Inter"/>
+                <a:ea typeface="Inter"/>
+                <a:cs typeface="Inter"/>
+                <a:sym typeface="Inter"/>
+              </a:rPr>
+              <a:t>a</a:t>
+            </a:r>
+            <a:r>
+              <a:rPr b="1" baseline="30000" lang="es" sz="1200">
+                <a:solidFill>
+                  <a:schemeClr val="dk1"/>
+                </a:solidFill>
+                <a:latin typeface="Inter"/>
+                <a:ea typeface="Inter"/>
+                <a:cs typeface="Inter"/>
+                <a:sym typeface="Inter"/>
+              </a:rPr>
+              <a:t>(p - r - q)</a:t>
+            </a:r>
+            <a:r>
+              <a:rPr b="1" lang="es" sz="1200">
+                <a:solidFill>
+                  <a:schemeClr val="dk1"/>
+                </a:solidFill>
+                <a:latin typeface="Inter"/>
+                <a:ea typeface="Inter"/>
+                <a:cs typeface="Inter"/>
+                <a:sym typeface="Inter"/>
+              </a:rPr>
               <a:t>b</a:t>
             </a:r>
             <a:r>
-              <a:rPr baseline="30000" lang="es" sz="1200">
-                <a:solidFill>
-                  <a:schemeClr val="dk1"/>
-                </a:solidFill>
-                <a:latin typeface="Inter Medium"/>
-                <a:ea typeface="Inter Medium"/>
-                <a:cs typeface="Inter Medium"/>
-                <a:sym typeface="Inter Medium"/>
-              </a:rPr>
-              <a:t>n</a:t>
+              <a:rPr b="1" baseline="30000" lang="es" sz="1200">
+                <a:solidFill>
+                  <a:schemeClr val="dk1"/>
+                </a:solidFill>
+                <a:latin typeface="Inter"/>
+                <a:ea typeface="Inter"/>
+                <a:cs typeface="Inter"/>
+                <a:sym typeface="Inter"/>
+              </a:rPr>
+              <a:t>p</a:t>
+            </a:r>
+            <a:r>
+              <a:rPr b="1" lang="es" sz="1200">
+                <a:solidFill>
+                  <a:schemeClr val="dk1"/>
+                </a:solidFill>
+                <a:latin typeface="Inter"/>
+                <a:ea typeface="Inter"/>
+                <a:cs typeface="Inter"/>
+                <a:sym typeface="Inter"/>
+              </a:rPr>
+              <a:t> </a:t>
             </a:r>
             <a:r>
               <a:rPr lang="es" sz="1200">
@@ -11316,7 +11966,78 @@
                 <a:cs typeface="Inter Medium"/>
                 <a:sym typeface="Inter Medium"/>
               </a:rPr>
-              <a:t>: n ≥ 0 }</a:t>
+              <a:t>que es igual a </a:t>
+            </a:r>
+            <a:r>
+              <a:rPr b="1" lang="es" sz="1200">
+                <a:solidFill>
+                  <a:schemeClr val="dk1"/>
+                </a:solidFill>
+                <a:latin typeface="Inter"/>
+                <a:ea typeface="Inter"/>
+                <a:cs typeface="Inter"/>
+                <a:sym typeface="Inter"/>
+              </a:rPr>
+              <a:t>a</a:t>
+            </a:r>
+            <a:r>
+              <a:rPr b="1" baseline="30000" lang="es" sz="1200">
+                <a:solidFill>
+                  <a:schemeClr val="dk1"/>
+                </a:solidFill>
+                <a:latin typeface="Inter"/>
+                <a:ea typeface="Inter"/>
+                <a:cs typeface="Inter"/>
+                <a:sym typeface="Inter"/>
+              </a:rPr>
+              <a:t>p(i - 1)r </a:t>
+            </a:r>
+            <a:r>
+              <a:rPr b="1" lang="es" sz="1200">
+                <a:solidFill>
+                  <a:schemeClr val="dk1"/>
+                </a:solidFill>
+                <a:latin typeface="Inter"/>
+                <a:ea typeface="Inter"/>
+                <a:cs typeface="Inter"/>
+                <a:sym typeface="Inter"/>
+              </a:rPr>
+              <a:t>b</a:t>
+            </a:r>
+            <a:r>
+              <a:rPr b="1" baseline="30000" lang="es" sz="1200">
+                <a:solidFill>
+                  <a:schemeClr val="dk1"/>
+                </a:solidFill>
+                <a:latin typeface="Inter"/>
+                <a:ea typeface="Inter"/>
+                <a:cs typeface="Inter"/>
+                <a:sym typeface="Inter"/>
+              </a:rPr>
+              <a:t>p</a:t>
+            </a:r>
+            <a:endParaRPr b="1" sz="1200">
+              <a:solidFill>
+                <a:schemeClr val="dk1"/>
+              </a:solidFill>
+              <a:latin typeface="Inter"/>
+              <a:ea typeface="Inter"/>
+              <a:cs typeface="Inter"/>
+              <a:sym typeface="Inter"/>
+            </a:endParaRPr>
+          </a:p>
+          <a:p>
+            <a:pPr indent="0" lvl="0" marL="0" rtl="0" algn="l">
+              <a:spcBef>
+                <a:spcPts val="1200"/>
+              </a:spcBef>
+              <a:spcAft>
+                <a:spcPts val="0"/>
+              </a:spcAft>
+              <a:buNone/>
+            </a:pPr>
+            <a:r>
+              <a:t/>
             </a:r>
             <a:endParaRPr sz="1200">
               <a:solidFill>
@@ -11348,122 +12069,7 @@
                 <a:cs typeface="Inter Medium"/>
                 <a:sym typeface="Inter Medium"/>
               </a:rPr>
-              <a:t>Una forma posible de pensar esta demostración es </a:t>
-            </a:r>
-            <a:r>
-              <a:rPr b="1" lang="es" sz="1200">
-                <a:solidFill>
-                  <a:schemeClr val="dk1"/>
-                </a:solidFill>
-                <a:latin typeface="Inter"/>
-                <a:ea typeface="Inter"/>
-                <a:cs typeface="Inter"/>
-                <a:sym typeface="Inter"/>
-              </a:rPr>
-              <a:t>asumir</a:t>
-            </a:r>
-            <a:r>
-              <a:rPr lang="es" sz="1200">
-                <a:solidFill>
-                  <a:schemeClr val="dk1"/>
-                </a:solidFill>
-                <a:latin typeface="Inter Medium"/>
-                <a:ea typeface="Inter Medium"/>
-                <a:cs typeface="Inter Medium"/>
-                <a:sym typeface="Inter Medium"/>
-              </a:rPr>
-              <a:t> que es regular y </a:t>
-            </a:r>
-            <a:r>
-              <a:rPr b="1" lang="es" sz="1200">
-                <a:solidFill>
-                  <a:schemeClr val="dk1"/>
-                </a:solidFill>
-                <a:latin typeface="Inter"/>
-                <a:ea typeface="Inter"/>
-                <a:cs typeface="Inter"/>
-                <a:sym typeface="Inter"/>
-              </a:rPr>
-              <a:t>por </a:t>
-            </a:r>
-            <a:r>
-              <a:rPr b="1" lang="es" sz="1200">
-                <a:solidFill>
-                  <a:schemeClr val="dk1"/>
-                </a:solidFill>
-                <a:latin typeface="Inter"/>
-                <a:ea typeface="Inter"/>
-                <a:cs typeface="Inter"/>
-                <a:sym typeface="Inter"/>
-              </a:rPr>
-              <a:t>contradicción</a:t>
-            </a:r>
-            <a:r>
-              <a:rPr lang="es" sz="1200">
-                <a:solidFill>
-                  <a:schemeClr val="dk1"/>
-                </a:solidFill>
-                <a:latin typeface="Inter Medium"/>
-                <a:ea typeface="Inter Medium"/>
-                <a:cs typeface="Inter Medium"/>
-                <a:sym typeface="Inter Medium"/>
-              </a:rPr>
-              <a:t> mostrar que no lo es.</a:t>
-            </a:r>
-            <a:endParaRPr sz="1200">
-              <a:solidFill>
-                <a:schemeClr val="dk1"/>
-              </a:solidFill>
-              <a:latin typeface="Inter Medium"/>
-              <a:ea typeface="Inter Medium"/>
-              <a:cs typeface="Inter Medium"/>
-              <a:sym typeface="Inter Medium"/>
-            </a:endParaRPr>
-          </a:p>
-          <a:p>
-            <a:pPr indent="0" lvl="0" marL="0" rtl="0" algn="ctr">
-              <a:spcBef>
-                <a:spcPts val="1200"/>
-              </a:spcBef>
-              <a:spcAft>
-                <a:spcPts val="0"/>
-              </a:spcAft>
-              <a:buNone/>
-            </a:pPr>
-            <a:r>
-              <a:rPr lang="es" sz="1200">
-                <a:solidFill>
-                  <a:schemeClr val="dk1"/>
-                </a:solidFill>
-                <a:latin typeface="Inter Medium"/>
-                <a:ea typeface="Inter Medium"/>
-                <a:cs typeface="Inter Medium"/>
-                <a:sym typeface="Inter Medium"/>
-              </a:rPr>
-              <a:t>Dado que L es infinito, podemos aplicar el Pumping Lemma</a:t>
-            </a:r>
-            <a:endParaRPr sz="1200">
-              <a:solidFill>
-                <a:schemeClr val="dk1"/>
-              </a:solidFill>
-              <a:latin typeface="Inter Medium"/>
-              <a:ea typeface="Inter Medium"/>
-              <a:cs typeface="Inter Medium"/>
-              <a:sym typeface="Inter Medium"/>
-            </a:endParaRPr>
-          </a:p>
-          <a:p>
-            <a:pPr indent="0" lvl="0" marL="0" rtl="0" algn="ctr">
-              <a:spcBef>
-                <a:spcPts val="1200"/>
-              </a:spcBef>
-              <a:spcAft>
-                <a:spcPts val="0"/>
-              </a:spcAft>
-              <a:buNone/>
-            </a:pPr>
-            <a:r>
-              <a:t/>
+              <a:t>NOTAR que como i &gt; 1 y r &gt; 0, la cantidad de as en la primera parte de la cadena será estrictamente mayor a la cantidad de bs de la segunda parte de la cadena. Por lo tanto esta cadena no estaría dentro de L y por lo tanto llegaríamos a una contradicción.</a:t>
             </a:r>
             <a:endParaRPr sz="1200">
               <a:solidFill>
@@ -11481,118 +12087,14 @@
                 <a:spcPts val="1200"/>
               </a:spcBef>
               <a:spcAft>
-                <a:spcPts val="0"/>
-              </a:spcAft>
-              <a:buNone/>
-            </a:pPr>
-            <a:r>
-              <a:rPr lang="es" sz="1200">
-                <a:solidFill>
-                  <a:schemeClr val="dk1"/>
-                </a:solidFill>
-                <a:latin typeface="Inter Medium"/>
-                <a:ea typeface="Inter Medium"/>
-                <a:cs typeface="Inter Medium"/>
-                <a:sym typeface="Inter Medium"/>
-              </a:rPr>
-              <a:t>Sea p la longitud crítica de L, tomamos un string w = x y z tal que w </a:t>
-            </a:r>
-            <a:r>
-              <a:rPr i="1" lang="es" sz="1200">
-                <a:solidFill>
-                  <a:schemeClr val="dk1"/>
-                </a:solidFill>
-                <a:latin typeface="Inter Medium"/>
-                <a:ea typeface="Inter Medium"/>
-                <a:cs typeface="Inter Medium"/>
-                <a:sym typeface="Inter Medium"/>
-              </a:rPr>
-              <a:t>∈ L</a:t>
-            </a:r>
-            <a:r>
-              <a:rPr lang="es" sz="1200">
-                <a:solidFill>
-                  <a:schemeClr val="dk1"/>
-                </a:solidFill>
-                <a:latin typeface="Inter Medium"/>
-                <a:ea typeface="Inter Medium"/>
-                <a:cs typeface="Inter Medium"/>
-                <a:sym typeface="Inter Medium"/>
-              </a:rPr>
-              <a:t> y |w| ≥ p con |xy| &lt;= p y |y| ≥ 1 tal que x y</a:t>
-            </a:r>
-            <a:r>
-              <a:rPr baseline="30000" lang="es" sz="1200">
-                <a:solidFill>
-                  <a:schemeClr val="dk1"/>
-                </a:solidFill>
-                <a:latin typeface="Inter Medium"/>
-                <a:ea typeface="Inter Medium"/>
-                <a:cs typeface="Inter Medium"/>
-                <a:sym typeface="Inter Medium"/>
-              </a:rPr>
-              <a:t>i</a:t>
-            </a:r>
-            <a:r>
-              <a:rPr lang="es" sz="1200">
-                <a:solidFill>
-                  <a:schemeClr val="dk1"/>
-                </a:solidFill>
-                <a:latin typeface="Inter Medium"/>
-                <a:ea typeface="Inter Medium"/>
-                <a:cs typeface="Inter Medium"/>
-                <a:sym typeface="Inter Medium"/>
-              </a:rPr>
-              <a:t> z </a:t>
-            </a:r>
-            <a:r>
-              <a:rPr i="1" lang="es" sz="1200">
-                <a:solidFill>
-                  <a:schemeClr val="dk1"/>
-                </a:solidFill>
-                <a:latin typeface="Inter Medium"/>
-                <a:ea typeface="Inter Medium"/>
-                <a:cs typeface="Inter Medium"/>
-                <a:sym typeface="Inter Medium"/>
-              </a:rPr>
-              <a:t>∈ L</a:t>
-            </a:r>
-            <a:r>
-              <a:rPr lang="es" sz="1200">
-                <a:solidFill>
-                  <a:schemeClr val="dk1"/>
-                </a:solidFill>
-                <a:latin typeface="Inter Medium"/>
-                <a:ea typeface="Inter Medium"/>
-                <a:cs typeface="Inter Medium"/>
-                <a:sym typeface="Inter Medium"/>
-              </a:rPr>
-              <a:t>. </a:t>
-            </a:r>
-            <a:endParaRPr sz="1200">
-              <a:solidFill>
-                <a:schemeClr val="dk1"/>
-              </a:solidFill>
-              <a:latin typeface="Inter Medium"/>
-              <a:ea typeface="Inter Medium"/>
-              <a:cs typeface="Inter Medium"/>
-              <a:sym typeface="Inter Medium"/>
-            </a:endParaRPr>
-          </a:p>
-          <a:p>
-            <a:pPr indent="-304800" lvl="0" marL="457200" rtl="0" algn="l">
-              <a:spcBef>
                 <a:spcPts val="1200"/>
-              </a:spcBef>
-              <a:spcAft>
-                <a:spcPts val="0"/>
               </a:spcAft>
               <a:buClr>
                 <a:schemeClr val="dk1"/>
               </a:buClr>
-              <a:buSzPts val="1200"/>
-              <a:buFont typeface="Inter Medium"/>
-              <a:buAutoNum type="arabicParenR"/>
+              <a:buSzPts val="1100"/>
+              <a:buFont typeface="Arial"/>
+              <a:buNone/>
             </a:pPr>
             <a:r>
               <a:rPr lang="es" sz="1200">
@@ -11604,80 +12106,7 @@
                 <a:cs typeface="Inter Medium"/>
                 <a:sym typeface="Inter Medium"/>
               </a:rPr>
-              <a:t>Elegimos inteligentemente w = a</a:t>
-            </a:r>
-            <a:r>
-              <a:rPr baseline="30000" lang="es" sz="1200">
-                <a:solidFill>
-                  <a:schemeClr val="dk1"/>
-                </a:solidFill>
-                <a:latin typeface="Inter Medium"/>
-                <a:ea typeface="Inter Medium"/>
-                <a:cs typeface="Inter Medium"/>
-                <a:sym typeface="Inter Medium"/>
-              </a:rPr>
-              <a:t>p</a:t>
-            </a:r>
-            <a:r>
-              <a:rPr lang="es" sz="1200">
-                <a:solidFill>
-                  <a:schemeClr val="dk1"/>
-                </a:solidFill>
-                <a:latin typeface="Inter Medium"/>
-                <a:ea typeface="Inter Medium"/>
-                <a:cs typeface="Inter Medium"/>
-                <a:sym typeface="Inter Medium"/>
-              </a:rPr>
-              <a:t>b</a:t>
-            </a:r>
-            <a:r>
-              <a:rPr baseline="30000" lang="es" sz="1200">
-                <a:solidFill>
-                  <a:schemeClr val="dk1"/>
-                </a:solidFill>
-                <a:latin typeface="Inter Medium"/>
-                <a:ea typeface="Inter Medium"/>
-                <a:cs typeface="Inter Medium"/>
-                <a:sym typeface="Inter Medium"/>
-              </a:rPr>
-              <a:t>p</a:t>
-            </a:r>
-            <a:endParaRPr sz="1200">
-              <a:solidFill>
-                <a:schemeClr val="dk1"/>
-              </a:solidFill>
-              <a:latin typeface="Inter Medium"/>
-              <a:ea typeface="Inter Medium"/>
-              <a:cs typeface="Inter Medium"/>
-              <a:sym typeface="Inter Medium"/>
-            </a:endParaRPr>
-          </a:p>
-          <a:p>
-            <a:pPr indent="-304800" lvl="0" marL="457200" rtl="0" algn="l">
-              <a:spcBef>
-                <a:spcPts val="0"/>
-              </a:spcBef>
-              <a:spcAft>
-                <a:spcPts val="0"/>
-              </a:spcAft>
-              <a:buClr>
-                <a:schemeClr val="dk1"/>
-              </a:buClr>
-              <a:buSzPts val="1200"/>
-              <a:buFont typeface="Inter Medium"/>
-              <a:buAutoNum type="arabicParenR"/>
-            </a:pPr>
-            <a:r>
-              <a:rPr lang="es" sz="1200">
-                <a:solidFill>
-                  <a:schemeClr val="dk1"/>
-                </a:solidFill>
-                <a:latin typeface="Inter Medium"/>
-                <a:ea typeface="Inter Medium"/>
-                <a:cs typeface="Inter Medium"/>
-                <a:sym typeface="Inter Medium"/>
-              </a:rPr>
-              <a:t>Dividimos la cadena w como </a:t>
+              <a:t>Entonces nuestra suposición sobre la regularidad de L era falsa y </a:t>
             </a:r>
             <a:r>
               <a:rPr b="1" lang="es" sz="1200">
@@ -11689,394 +12118,7 @@
                 <a:cs typeface="Inter"/>
                 <a:sym typeface="Inter"/>
               </a:rPr>
-              <a:t>w = a</a:t>
-            </a:r>
-            <a:r>
-              <a:rPr b="1" baseline="30000" lang="es" sz="1200">
-                <a:solidFill>
-                  <a:schemeClr val="dk1"/>
-                </a:solidFill>
-                <a:latin typeface="Inter"/>
-                <a:ea typeface="Inter"/>
-                <a:cs typeface="Inter"/>
-                <a:sym typeface="Inter"/>
-              </a:rPr>
-              <a:t>q</a:t>
-            </a:r>
-            <a:r>
-              <a:rPr b="1" lang="es" sz="1200">
-                <a:solidFill>
-                  <a:schemeClr val="dk1"/>
-                </a:solidFill>
-                <a:latin typeface="Inter"/>
-                <a:ea typeface="Inter"/>
-                <a:cs typeface="Inter"/>
-                <a:sym typeface="Inter"/>
-              </a:rPr>
-              <a:t> a</a:t>
-            </a:r>
-            <a:r>
-              <a:rPr b="1" baseline="30000" lang="es" sz="1200">
-                <a:solidFill>
-                  <a:schemeClr val="dk1"/>
-                </a:solidFill>
-                <a:latin typeface="Inter"/>
-                <a:ea typeface="Inter"/>
-                <a:cs typeface="Inter"/>
-                <a:sym typeface="Inter"/>
-              </a:rPr>
-              <a:t>r</a:t>
-            </a:r>
-            <a:r>
-              <a:rPr b="1" lang="es" sz="1200">
-                <a:solidFill>
-                  <a:schemeClr val="dk1"/>
-                </a:solidFill>
-                <a:latin typeface="Inter"/>
-                <a:ea typeface="Inter"/>
-                <a:cs typeface="Inter"/>
-                <a:sym typeface="Inter"/>
-              </a:rPr>
-              <a:t> a</a:t>
-            </a:r>
-            <a:r>
-              <a:rPr b="1" baseline="30000" lang="es" sz="1200">
-                <a:solidFill>
-                  <a:schemeClr val="dk1"/>
-                </a:solidFill>
-                <a:latin typeface="Inter"/>
-                <a:ea typeface="Inter"/>
-                <a:cs typeface="Inter"/>
-                <a:sym typeface="Inter"/>
-              </a:rPr>
-              <a:t>(p - r - q)</a:t>
-            </a:r>
-            <a:r>
-              <a:rPr b="1" lang="es" sz="1200">
-                <a:solidFill>
-                  <a:schemeClr val="dk1"/>
-                </a:solidFill>
-                <a:latin typeface="Inter"/>
-                <a:ea typeface="Inter"/>
-                <a:cs typeface="Inter"/>
-                <a:sym typeface="Inter"/>
-              </a:rPr>
-              <a:t>b</a:t>
-            </a:r>
-            <a:r>
-              <a:rPr b="1" baseline="30000" lang="es" sz="1200">
-                <a:solidFill>
-                  <a:schemeClr val="dk1"/>
-                </a:solidFill>
-                <a:latin typeface="Inter"/>
-                <a:ea typeface="Inter"/>
-                <a:cs typeface="Inter"/>
-                <a:sym typeface="Inter"/>
-              </a:rPr>
-              <a:t>p</a:t>
-            </a:r>
-            <a:r>
-              <a:rPr lang="es" sz="1200">
-                <a:solidFill>
-                  <a:schemeClr val="dk1"/>
-                </a:solidFill>
-                <a:latin typeface="Inter Medium"/>
-                <a:ea typeface="Inter Medium"/>
-                <a:cs typeface="Inter Medium"/>
-                <a:sym typeface="Inter Medium"/>
-              </a:rPr>
-              <a:t>, donde </a:t>
-            </a:r>
-            <a:r>
-              <a:rPr b="1" lang="es" sz="1200">
-                <a:solidFill>
-                  <a:schemeClr val="dk1"/>
-                </a:solidFill>
-                <a:latin typeface="Inter"/>
-                <a:ea typeface="Inter"/>
-                <a:cs typeface="Inter"/>
-                <a:sym typeface="Inter"/>
-              </a:rPr>
-              <a:t>a</a:t>
-            </a:r>
-            <a:r>
-              <a:rPr b="1" baseline="30000" lang="es" sz="1200">
-                <a:solidFill>
-                  <a:schemeClr val="dk1"/>
-                </a:solidFill>
-                <a:latin typeface="Inter"/>
-                <a:ea typeface="Inter"/>
-                <a:cs typeface="Inter"/>
-                <a:sym typeface="Inter"/>
-              </a:rPr>
-              <a:t>q</a:t>
-            </a:r>
-            <a:r>
-              <a:rPr b="1" lang="es" sz="1200">
-                <a:solidFill>
-                  <a:schemeClr val="dk1"/>
-                </a:solidFill>
-                <a:latin typeface="Inter"/>
-                <a:ea typeface="Inter"/>
-                <a:cs typeface="Inter"/>
-                <a:sym typeface="Inter"/>
-              </a:rPr>
-              <a:t> = x</a:t>
-            </a:r>
-            <a:r>
-              <a:rPr lang="es" sz="1200">
-                <a:solidFill>
-                  <a:schemeClr val="dk1"/>
-                </a:solidFill>
-                <a:latin typeface="Inter Medium"/>
-                <a:ea typeface="Inter Medium"/>
-                <a:cs typeface="Inter Medium"/>
-                <a:sym typeface="Inter Medium"/>
-              </a:rPr>
-              <a:t>, </a:t>
-            </a:r>
-            <a:r>
-              <a:rPr b="1" lang="es" sz="1200">
-                <a:solidFill>
-                  <a:schemeClr val="dk1"/>
-                </a:solidFill>
-                <a:latin typeface="Inter"/>
-                <a:ea typeface="Inter"/>
-                <a:cs typeface="Inter"/>
-                <a:sym typeface="Inter"/>
-              </a:rPr>
-              <a:t>a</a:t>
-            </a:r>
-            <a:r>
-              <a:rPr b="1" baseline="30000" lang="es" sz="1200">
-                <a:solidFill>
-                  <a:schemeClr val="dk1"/>
-                </a:solidFill>
-                <a:latin typeface="Inter"/>
-                <a:ea typeface="Inter"/>
-                <a:cs typeface="Inter"/>
-                <a:sym typeface="Inter"/>
-              </a:rPr>
-              <a:t>r</a:t>
-            </a:r>
-            <a:r>
-              <a:rPr b="1" lang="es" sz="1200">
-                <a:solidFill>
-                  <a:schemeClr val="dk1"/>
-                </a:solidFill>
-                <a:latin typeface="Inter"/>
-                <a:ea typeface="Inter"/>
-                <a:cs typeface="Inter"/>
-                <a:sym typeface="Inter"/>
-              </a:rPr>
-              <a:t> = y</a:t>
-            </a:r>
-            <a:r>
-              <a:rPr lang="es" sz="1200">
-                <a:solidFill>
-                  <a:schemeClr val="dk1"/>
-                </a:solidFill>
-                <a:latin typeface="Inter Medium"/>
-                <a:ea typeface="Inter Medium"/>
-                <a:cs typeface="Inter Medium"/>
-                <a:sym typeface="Inter Medium"/>
-              </a:rPr>
-              <a:t> e </a:t>
-            </a:r>
-            <a:r>
-              <a:rPr b="1" lang="es" sz="1200">
-                <a:solidFill>
-                  <a:schemeClr val="dk1"/>
-                </a:solidFill>
-                <a:latin typeface="Inter"/>
-                <a:ea typeface="Inter"/>
-                <a:cs typeface="Inter"/>
-                <a:sym typeface="Inter"/>
-              </a:rPr>
-              <a:t>a</a:t>
-            </a:r>
-            <a:r>
-              <a:rPr b="1" baseline="30000" lang="es" sz="1200">
-                <a:solidFill>
-                  <a:schemeClr val="dk1"/>
-                </a:solidFill>
-                <a:latin typeface="Inter"/>
-                <a:ea typeface="Inter"/>
-                <a:cs typeface="Inter"/>
-                <a:sym typeface="Inter"/>
-              </a:rPr>
-              <a:t>(p - r - q)</a:t>
-            </a:r>
-            <a:r>
-              <a:rPr b="1" lang="es" sz="1200">
-                <a:solidFill>
-                  <a:schemeClr val="dk1"/>
-                </a:solidFill>
-                <a:latin typeface="Inter"/>
-                <a:ea typeface="Inter"/>
-                <a:cs typeface="Inter"/>
-                <a:sym typeface="Inter"/>
-              </a:rPr>
-              <a:t>b</a:t>
-            </a:r>
-            <a:r>
-              <a:rPr b="1" baseline="30000" lang="es" sz="1200">
-                <a:solidFill>
-                  <a:schemeClr val="dk1"/>
-                </a:solidFill>
-                <a:latin typeface="Inter"/>
-                <a:ea typeface="Inter"/>
-                <a:cs typeface="Inter"/>
-                <a:sym typeface="Inter"/>
-              </a:rPr>
-              <a:t>p</a:t>
-            </a:r>
-            <a:r>
-              <a:rPr b="1" lang="es" sz="1200">
-                <a:solidFill>
-                  <a:schemeClr val="dk1"/>
-                </a:solidFill>
-                <a:latin typeface="Inter"/>
-                <a:ea typeface="Inter"/>
-                <a:cs typeface="Inter"/>
-                <a:sym typeface="Inter"/>
-              </a:rPr>
-              <a:t> = z</a:t>
-            </a:r>
-            <a:endParaRPr b="1" sz="1200">
-              <a:solidFill>
-                <a:schemeClr val="dk1"/>
-              </a:solidFill>
-              <a:latin typeface="Inter"/>
-              <a:ea typeface="Inter"/>
-              <a:cs typeface="Inter"/>
-              <a:sym typeface="Inter"/>
-            </a:endParaRPr>
-          </a:p>
-          <a:p>
-            <a:pPr indent="-304800" lvl="1" marL="914400" rtl="0" algn="l">
-              <a:spcBef>
-                <a:spcPts val="0"/>
-              </a:spcBef>
-              <a:spcAft>
-                <a:spcPts val="0"/>
-              </a:spcAft>
-              <a:buClr>
-                <a:schemeClr val="dk1"/>
-              </a:buClr>
-              <a:buSzPts val="1200"/>
-              <a:buFont typeface="Inter Medium"/>
-              <a:buAutoNum type="alphaLcParenR"/>
-            </a:pPr>
-            <a:r>
-              <a:rPr lang="es" sz="1200">
-                <a:solidFill>
-                  <a:schemeClr val="dk1"/>
-                </a:solidFill>
-                <a:latin typeface="Inter Medium"/>
-                <a:ea typeface="Inter Medium"/>
-                <a:cs typeface="Inter Medium"/>
-                <a:sym typeface="Inter Medium"/>
-              </a:rPr>
-              <a:t>Notar que |xy| &gt;= q + r &lt;= p y que |y| = r &gt;= 1</a:t>
-            </a:r>
-            <a:endParaRPr sz="1200">
-              <a:solidFill>
-                <a:schemeClr val="dk1"/>
-              </a:solidFill>
-              <a:latin typeface="Inter Medium"/>
-              <a:ea typeface="Inter Medium"/>
-              <a:cs typeface="Inter Medium"/>
-              <a:sym typeface="Inter Medium"/>
-            </a:endParaRPr>
-          </a:p>
-          <a:p>
-            <a:pPr indent="-304800" lvl="1" marL="914400" rtl="0" algn="l">
-              <a:spcBef>
-                <a:spcPts val="0"/>
-              </a:spcBef>
-              <a:spcAft>
-                <a:spcPts val="0"/>
-              </a:spcAft>
-              <a:buClr>
-                <a:schemeClr val="dk1"/>
-              </a:buClr>
-              <a:buSzPts val="1200"/>
-              <a:buFont typeface="Inter Medium"/>
-              <a:buAutoNum type="alphaLcParenR"/>
-            </a:pPr>
-            <a:r>
-              <a:rPr lang="es" sz="1200">
-                <a:solidFill>
-                  <a:schemeClr val="dk1"/>
-                </a:solidFill>
-                <a:latin typeface="Inter Medium"/>
-                <a:ea typeface="Inter Medium"/>
-                <a:cs typeface="Inter Medium"/>
-                <a:sym typeface="Inter Medium"/>
-              </a:rPr>
-              <a:t>q &gt;= 0, r &gt; 0, q + r &lt;= p</a:t>
-            </a:r>
-            <a:endParaRPr sz="1200">
-              <a:solidFill>
-                <a:schemeClr val="dk1"/>
-              </a:solidFill>
-              <a:latin typeface="Inter Medium"/>
-              <a:ea typeface="Inter Medium"/>
-              <a:cs typeface="Inter Medium"/>
-              <a:sym typeface="Inter Medium"/>
-            </a:endParaRPr>
-          </a:p>
-          <a:p>
-            <a:pPr indent="-304800" lvl="0" marL="457200" rtl="0" algn="l">
-              <a:spcBef>
-                <a:spcPts val="0"/>
-              </a:spcBef>
-              <a:spcAft>
-                <a:spcPts val="0"/>
-              </a:spcAft>
-              <a:buClr>
-                <a:schemeClr val="dk1"/>
-              </a:buClr>
-              <a:buSzPts val="1200"/>
-              <a:buFont typeface="Inter Medium"/>
-              <a:buAutoNum type="arabicParenR"/>
-            </a:pPr>
-            <a:r>
-              <a:rPr lang="es" sz="1200">
-                <a:solidFill>
-                  <a:schemeClr val="dk1"/>
-                </a:solidFill>
-                <a:latin typeface="Inter Medium"/>
-                <a:ea typeface="Inter Medium"/>
-                <a:cs typeface="Inter Medium"/>
-                <a:sym typeface="Inter Medium"/>
-              </a:rPr>
-              <a:t>“Bombeamos” y ( a</a:t>
-            </a:r>
-            <a:r>
-              <a:rPr baseline="30000" lang="es" sz="1200">
-                <a:solidFill>
-                  <a:schemeClr val="dk1"/>
-                </a:solidFill>
-                <a:latin typeface="Inter Medium"/>
-                <a:ea typeface="Inter Medium"/>
-                <a:cs typeface="Inter Medium"/>
-                <a:sym typeface="Inter Medium"/>
-              </a:rPr>
-              <a:t>r</a:t>
-            </a:r>
-            <a:r>
-              <a:rPr lang="es" sz="1200">
-                <a:solidFill>
-                  <a:schemeClr val="dk1"/>
-                </a:solidFill>
-                <a:latin typeface="Inter Medium"/>
-                <a:ea typeface="Inter Medium"/>
-                <a:cs typeface="Inter Medium"/>
-                <a:sym typeface="Inter Medium"/>
-              </a:rPr>
-              <a:t> ), es decir, repetimos y una cantidad i de veces para supuestamente obtener una cadena de L</a:t>
+              <a:t>concluimos que L no es un lenguaje regular</a:t>
             </a:r>
             <a:endParaRPr sz="1200">
               <a:solidFill>
@@ -12305,7 +12347,7 @@
                 <a:cs typeface="Inter Medium"/>
                 <a:sym typeface="Inter Medium"/>
               </a:rPr>
-              <a:t>Primer ejemplo - “Bombeo”</a:t>
+              <a:t>Otro ejemplo</a:t>
             </a:r>
             <a:endParaRPr>
               <a:latin typeface="Inter Medium"/>
@@ -12358,7 +12400,7 @@
                 <a:cs typeface="Inter Medium"/>
                 <a:sym typeface="Inter Medium"/>
               </a:rPr>
-              <a:t>Si repetimos la cadena y una cantidad i de veces, obtenemos w’ = x y</a:t>
+              <a:t>Tomemos como ejemplo L = { a</a:t>
             </a:r>
             <a:r>
               <a:rPr baseline="30000" lang="es" sz="1200">
@@ -12370,7 +12412,7 @@
                 <a:cs typeface="Inter Medium"/>
                 <a:sym typeface="Inter Medium"/>
               </a:rPr>
-              <a:t>i </a:t>
+              <a:t>n</a:t>
             </a:r>
             <a:r>
               <a:rPr lang="es" sz="1200">
@@ -12382,91 +12424,19 @@
                 <a:cs typeface="Inter Medium"/>
                 <a:sym typeface="Inter Medium"/>
               </a:rPr>
-              <a:t>z = </a:t>
-            </a:r>
-            <a:r>
-              <a:rPr b="1" lang="es" sz="1200">
-                <a:solidFill>
-                  <a:schemeClr val="dk1"/>
-                </a:solidFill>
-                <a:latin typeface="Inter"/>
-                <a:ea typeface="Inter"/>
-                <a:cs typeface="Inter"/>
-                <a:sym typeface="Inter"/>
-              </a:rPr>
-              <a:t>a</a:t>
-            </a:r>
-            <a:r>
-              <a:rPr b="1" baseline="30000" lang="es" sz="1200">
-                <a:solidFill>
-                  <a:schemeClr val="dk1"/>
-                </a:solidFill>
-                <a:latin typeface="Inter"/>
-                <a:ea typeface="Inter"/>
-                <a:cs typeface="Inter"/>
-                <a:sym typeface="Inter"/>
-              </a:rPr>
-              <a:t>q+ir</a:t>
-            </a:r>
-            <a:r>
-              <a:rPr b="1" lang="es" sz="1200">
-                <a:solidFill>
-                  <a:schemeClr val="dk1"/>
-                </a:solidFill>
-                <a:latin typeface="Inter"/>
-                <a:ea typeface="Inter"/>
-                <a:cs typeface="Inter"/>
-                <a:sym typeface="Inter"/>
-              </a:rPr>
-              <a:t>a</a:t>
-            </a:r>
-            <a:r>
-              <a:rPr b="1" baseline="30000" lang="es" sz="1200">
-                <a:solidFill>
-                  <a:schemeClr val="dk1"/>
-                </a:solidFill>
-                <a:latin typeface="Inter"/>
-                <a:ea typeface="Inter"/>
-                <a:cs typeface="Inter"/>
-                <a:sym typeface="Inter"/>
-              </a:rPr>
-              <a:t>(p - r - q)</a:t>
-            </a:r>
-            <a:r>
-              <a:rPr b="1" lang="es" sz="1200">
-                <a:solidFill>
-                  <a:schemeClr val="dk1"/>
-                </a:solidFill>
-                <a:latin typeface="Inter"/>
-                <a:ea typeface="Inter"/>
-                <a:cs typeface="Inter"/>
-                <a:sym typeface="Inter"/>
-              </a:rPr>
               <a:t>b</a:t>
             </a:r>
             <a:r>
-              <a:rPr b="1" baseline="30000" lang="es" sz="1200">
-                <a:solidFill>
-                  <a:schemeClr val="dk1"/>
-                </a:solidFill>
-                <a:latin typeface="Inter"/>
-                <a:ea typeface="Inter"/>
-                <a:cs typeface="Inter"/>
-                <a:sym typeface="Inter"/>
-              </a:rPr>
-              <a:t>p</a:t>
-            </a:r>
-            <a:r>
-              <a:rPr b="1" lang="es" sz="1200">
-                <a:solidFill>
-                  <a:schemeClr val="dk1"/>
-                </a:solidFill>
-                <a:latin typeface="Inter"/>
-                <a:ea typeface="Inter"/>
-                <a:cs typeface="Inter"/>
-                <a:sym typeface="Inter"/>
-              </a:rPr>
-              <a:t> </a:t>
+              <a:rPr baseline="30000" lang="es" sz="1200">
+                <a:solidFill>
+                  <a:schemeClr val="dk1"/>
+                </a:solidFill>
+                <a:latin typeface="Inter Medium"/>
+                <a:ea typeface="Inter Medium"/>
+                <a:cs typeface="Inter Medium"/>
+                <a:sym typeface="Inter Medium"/>
+              </a:rPr>
+              <a:t>l</a:t>
             </a:r>
             <a:r>
               <a:rPr lang="es" sz="1200">
@@ -12478,78 +12448,31 @@
                 <a:cs typeface="Inter Medium"/>
                 <a:sym typeface="Inter Medium"/>
               </a:rPr>
-              <a:t>que es igual a </a:t>
-            </a:r>
-            <a:r>
-              <a:rPr b="1" lang="es" sz="1200">
-                <a:solidFill>
-                  <a:schemeClr val="dk1"/>
-                </a:solidFill>
-                <a:latin typeface="Inter"/>
-                <a:ea typeface="Inter"/>
-                <a:cs typeface="Inter"/>
-                <a:sym typeface="Inter"/>
-              </a:rPr>
-              <a:t>a</a:t>
-            </a:r>
-            <a:r>
-              <a:rPr b="1" baseline="30000" lang="es" sz="1200">
-                <a:solidFill>
-                  <a:schemeClr val="dk1"/>
-                </a:solidFill>
-                <a:latin typeface="Inter"/>
-                <a:ea typeface="Inter"/>
-                <a:cs typeface="Inter"/>
-                <a:sym typeface="Inter"/>
-              </a:rPr>
-              <a:t>p(i - 1)r </a:t>
-            </a:r>
-            <a:r>
-              <a:rPr b="1" lang="es" sz="1200">
-                <a:solidFill>
-                  <a:schemeClr val="dk1"/>
-                </a:solidFill>
-                <a:latin typeface="Inter"/>
-                <a:ea typeface="Inter"/>
-                <a:cs typeface="Inter"/>
-                <a:sym typeface="Inter"/>
-              </a:rPr>
-              <a:t>b</a:t>
-            </a:r>
-            <a:r>
-              <a:rPr b="1" baseline="30000" lang="es" sz="1200">
-                <a:solidFill>
-                  <a:schemeClr val="dk1"/>
-                </a:solidFill>
-                <a:latin typeface="Inter"/>
-                <a:ea typeface="Inter"/>
-                <a:cs typeface="Inter"/>
-                <a:sym typeface="Inter"/>
-              </a:rPr>
-              <a:t>p</a:t>
-            </a:r>
-            <a:endParaRPr b="1" sz="1200">
-              <a:solidFill>
-                <a:schemeClr val="dk1"/>
-              </a:solidFill>
-              <a:latin typeface="Inter"/>
-              <a:ea typeface="Inter"/>
-              <a:cs typeface="Inter"/>
-              <a:sym typeface="Inter"/>
-            </a:endParaRPr>
-          </a:p>
-          <a:p>
-            <a:pPr indent="0" lvl="0" marL="0" rtl="0" algn="l">
-              <a:spcBef>
-                <a:spcPts val="1200"/>
-              </a:spcBef>
-              <a:spcAft>
-                <a:spcPts val="0"/>
-              </a:spcAft>
-              <a:buNone/>
-            </a:pPr>
-            <a:r>
-              <a:t/>
+              <a:t>c</a:t>
+            </a:r>
+            <a:r>
+              <a:rPr baseline="30000" lang="es" sz="1200">
+                <a:solidFill>
+                  <a:schemeClr val="dk1"/>
+                </a:solidFill>
+                <a:latin typeface="Inter Medium"/>
+                <a:ea typeface="Inter Medium"/>
+                <a:cs typeface="Inter Medium"/>
+                <a:sym typeface="Inter Medium"/>
+              </a:rPr>
+              <a:t>n+1</a:t>
+            </a:r>
+            <a:r>
+              <a:rPr lang="es" sz="1200">
+                <a:solidFill>
+                  <a:schemeClr val="dk1"/>
+                </a:solidFill>
+                <a:latin typeface="Inter Medium"/>
+                <a:ea typeface="Inter Medium"/>
+                <a:cs typeface="Inter Medium"/>
+                <a:sym typeface="Inter Medium"/>
+              </a:rPr>
+              <a:t> : n, l ≥ 0 }</a:t>
             </a:r>
             <a:endParaRPr sz="1200">
               <a:solidFill>
@@ -12581,7 +12504,87 @@
                 <a:cs typeface="Inter Medium"/>
                 <a:sym typeface="Inter Medium"/>
               </a:rPr>
-              <a:t>NOTAR que como i &gt; 1 y r &gt; 0, la cantidad de as en la primera parte de la cadena será estrictamente mayor a la cantidad de bs de la segunda parte de la cadena. Por lo tanto esta cadena no estaría dentro de L y por lo tanto llegaríamos a una contradicción.</a:t>
+              <a:t>Una forma posible de pensar esta demostración es </a:t>
+            </a:r>
+            <a:r>
+              <a:rPr b="1" lang="es" sz="1200">
+                <a:solidFill>
+                  <a:schemeClr val="dk1"/>
+                </a:solidFill>
+                <a:latin typeface="Inter"/>
+                <a:ea typeface="Inter"/>
+                <a:cs typeface="Inter"/>
+                <a:sym typeface="Inter"/>
+              </a:rPr>
+              <a:t>asumir</a:t>
+            </a:r>
+            <a:r>
+              <a:rPr lang="es" sz="1200">
+                <a:solidFill>
+                  <a:schemeClr val="dk1"/>
+                </a:solidFill>
+                <a:latin typeface="Inter Medium"/>
+                <a:ea typeface="Inter Medium"/>
+                <a:cs typeface="Inter Medium"/>
+                <a:sym typeface="Inter Medium"/>
+              </a:rPr>
+              <a:t> que es regular y </a:t>
+            </a:r>
+            <a:r>
+              <a:rPr b="1" lang="es" sz="1200">
+                <a:solidFill>
+                  <a:schemeClr val="dk1"/>
+                </a:solidFill>
+                <a:latin typeface="Inter"/>
+                <a:ea typeface="Inter"/>
+                <a:cs typeface="Inter"/>
+                <a:sym typeface="Inter"/>
+              </a:rPr>
+              <a:t>por contradicción</a:t>
+            </a:r>
+            <a:r>
+              <a:rPr lang="es" sz="1200">
+                <a:solidFill>
+                  <a:schemeClr val="dk1"/>
+                </a:solidFill>
+                <a:latin typeface="Inter Medium"/>
+                <a:ea typeface="Inter Medium"/>
+                <a:cs typeface="Inter Medium"/>
+                <a:sym typeface="Inter Medium"/>
+              </a:rPr>
+              <a:t> mostrar que no lo es.</a:t>
+            </a:r>
+            <a:endParaRPr sz="1200">
+              <a:solidFill>
+                <a:schemeClr val="dk1"/>
+              </a:solidFill>
+              <a:latin typeface="Inter Medium"/>
+              <a:ea typeface="Inter Medium"/>
+              <a:cs typeface="Inter Medium"/>
+              <a:sym typeface="Inter Medium"/>
+            </a:endParaRPr>
+          </a:p>
+          <a:p>
+            <a:pPr indent="0" lvl="0" marL="0" rtl="0" algn="ctr">
+              <a:spcBef>
+                <a:spcPts val="1200"/>
+              </a:spcBef>
+              <a:spcAft>
+                <a:spcPts val="0"/>
+              </a:spcAft>
+              <a:buNone/>
+            </a:pPr>
+            <a:r>
+              <a:rPr lang="es" sz="1200">
+                <a:solidFill>
+                  <a:schemeClr val="dk1"/>
+                </a:solidFill>
+                <a:latin typeface="Inter Medium"/>
+                <a:ea typeface="Inter Medium"/>
+                <a:cs typeface="Inter Medium"/>
+                <a:sym typeface="Inter Medium"/>
+              </a:rPr>
+              <a:t>Dado que L es infinito, podemos aplicar el Pumping Lemma</a:t>
             </a:r>
             <a:endParaRPr sz="1200">
               <a:solidFill>
@@ -12599,38 +12602,35 @@
                 <a:spcPts val="1200"/>
               </a:spcBef>
               <a:spcAft>
+                <a:spcPts val="0"/>
+              </a:spcAft>
+              <a:buNone/>
+            </a:pPr>
+            <a:r>
+              <a:t/>
+            </a:r>
+            <a:endParaRPr sz="1200">
+              <a:solidFill>
+                <a:schemeClr val="dk1"/>
+              </a:solidFill>
+              <a:latin typeface="Inter Medium"/>
+              <a:ea typeface="Inter Medium"/>
+              <a:cs typeface="Inter Medium"/>
+              <a:sym typeface="Inter Medium"/>
+            </a:endParaRPr>
+          </a:p>
+          <a:p>
+            <a:pPr indent="0" lvl="0" marL="0" rtl="0" algn="l">
+              <a:spcBef>
                 <a:spcPts val="1200"/>
-              </a:spcAft>
-              <a:buClr>
-                <a:schemeClr val="dk1"/>
-              </a:buClr>
-              <a:buSzPts val="1100"/>
-              <a:buFont typeface="Arial"/>
+              </a:spcBef>
+              <a:spcAft>
+                <a:spcPts val="1200"/>
+              </a:spcAft>
               <a:buNone/>
             </a:pPr>
             <a:r>
-              <a:rPr lang="es" sz="1200">
-                <a:solidFill>
-                  <a:schemeClr val="dk1"/>
-                </a:solidFill>
-                <a:latin typeface="Inter Medium"/>
-                <a:ea typeface="Inter Medium"/>
-                <a:cs typeface="Inter Medium"/>
-                <a:sym typeface="Inter Medium"/>
-              </a:rPr>
-              <a:t>Entonces nuestra suposición sobre la regularidad de L era falsa y </a:t>
-            </a:r>
-            <a:r>
-              <a:rPr b="1" lang="es" sz="1200">
-                <a:solidFill>
-                  <a:schemeClr val="dk1"/>
-                </a:solidFill>
-                <a:latin typeface="Inter"/>
-                <a:ea typeface="Inter"/>
-                <a:cs typeface="Inter"/>
-                <a:sym typeface="Inter"/>
-              </a:rPr>
-              <a:t>concluimos que L no es un lenguaje regular</a:t>
+              <a:t/>
             </a:r>
             <a:endParaRPr sz="1200">
               <a:solidFill>
